--- a/第8章-课程总结/第8章-课程总结.pptx
+++ b/第8章-课程总结/第8章-课程总结.pptx
@@ -2656,7 +2656,7 @@
               </a14:hiddenFill>
             </a:ext>
             <a:ext uri="{FAA26D3D-D897-4be2-8F04-BA451C77F1D7}">
-              <ma14:placeholderFlag xmlns:ma14="http://schemas.microsoft.com/office/mac/drawingml/2011/main" xmlns="" val="1"/>
+              <ma14:placeholderFlag xmlns="" xmlns:ma14="http://schemas.microsoft.com/office/mac/drawingml/2011/main" val="1"/>
             </a:ext>
           </a:extLst>
         </p:spPr>
@@ -3044,7 +3044,7 @@
               </a14:hiddenLine>
             </a:ext>
             <a:ext uri="{FAA26D3D-D897-4be2-8F04-BA451C77F1D7}">
-              <ma14:placeholderFlag xmlns:ma14="http://schemas.microsoft.com/office/mac/drawingml/2011/main" xmlns="" val="1"/>
+              <ma14:placeholderFlag xmlns="" xmlns:ma14="http://schemas.microsoft.com/office/mac/drawingml/2011/main" val="1"/>
             </a:ext>
           </a:extLst>
         </p:spPr>
@@ -5066,7 +5066,7 @@
               </a14:hiddenLine>
             </a:ext>
             <a:ext uri="{FAA26D3D-D897-4be2-8F04-BA451C77F1D7}">
-              <ma14:placeholderFlag xmlns:ma14="http://schemas.microsoft.com/office/mac/drawingml/2011/main" xmlns="" val="1"/>
+              <ma14:placeholderFlag xmlns="" xmlns:ma14="http://schemas.microsoft.com/office/mac/drawingml/2011/main" val="1"/>
             </a:ext>
           </a:extLst>
         </p:spPr>
@@ -8762,7 +8762,7 @@
               </a14:hiddenLine>
             </a:ext>
             <a:ext uri="{FAA26D3D-D897-4be2-8F04-BA451C77F1D7}">
-              <ma14:placeholderFlag xmlns:ma14="http://schemas.microsoft.com/office/mac/drawingml/2011/main" xmlns="" val="1"/>
+              <ma14:placeholderFlag xmlns="" xmlns:ma14="http://schemas.microsoft.com/office/mac/drawingml/2011/main" val="1"/>
             </a:ext>
           </a:extLst>
         </p:spPr>
@@ -11729,8 +11729,8 @@
         </p:blipFill>
         <p:spPr>
           <a:xfrm>
-            <a:off x="367106" y="3243567"/>
-            <a:ext cx="4763694" cy="3464950"/>
+            <a:off x="301596" y="3195917"/>
+            <a:ext cx="4829204" cy="3512600"/>
           </a:xfrm>
           <a:prstGeom prst="rect">
             <a:avLst/>
@@ -12230,7 +12230,7 @@
           <p:nvPr>
             <p:extLst>
               <p:ext uri="{D42A27DB-BD31-4B8C-83A1-F6EECF244321}">
-                <p14:modId xmlns:p14="http://schemas.microsoft.com/office/powerpoint/2010/main" val="1035167588"/>
+                <p14:modId xmlns:p14="http://schemas.microsoft.com/office/powerpoint/2010/main" val="3177504226"/>
               </p:ext>
             </p:extLst>
           </p:nvPr>
@@ -12253,14 +12253,14 @@
                     </a:ext>
                   </a:extLst>
                 </a:gridCol>
-                <a:gridCol w="881866">
+                <a:gridCol w="827640">
                   <a:extLst>
                     <a:ext uri="{9D8B030D-6E8A-4147-A177-3AD203B41FA5}">
                       <a16:colId xmlns:a16="http://schemas.microsoft.com/office/drawing/2014/main" val="686157870"/>
                     </a:ext>
                   </a:extLst>
                 </a:gridCol>
-                <a:gridCol w="6086224">
+                <a:gridCol w="6140450">
                   <a:extLst>
                     <a:ext uri="{9D8B030D-6E8A-4147-A177-3AD203B41FA5}">
                       <a16:colId xmlns:a16="http://schemas.microsoft.com/office/drawing/2014/main" val="335792030"/>
@@ -13728,7 +13728,7 @@
                         <a:t>多线程编程，</a:t>
                       </a:r>
                       <a:r>
-                        <a:rPr lang="en-US" altLang="zh-CN" sz="1800" b="1" kern="100">
+                        <a:rPr lang="en-US" altLang="zh-CN" sz="1800" b="1" kern="100" dirty="0">
                           <a:solidFill>
                             <a:srgbClr val="FF00FF"/>
                           </a:solidFill>
@@ -13740,18 +13740,6 @@
                         <a:t>20. </a:t>
                       </a:r>
                       <a:r>
-                        <a:rPr lang="zh-CN" altLang="en-US" sz="1800" b="1" kern="100">
-                          <a:solidFill>
-                            <a:srgbClr val="FF00FF"/>
-                          </a:solidFill>
-                          <a:effectLst/>
-                          <a:latin typeface="+mn-lt"/>
-                          <a:ea typeface="+mn-ea"/>
-                          <a:cs typeface="+mn-cs"/>
-                        </a:rPr>
-                        <a:t>多</a:t>
-                      </a:r>
-                      <a:r>
                         <a:rPr lang="zh-CN" altLang="en-US" sz="1800" b="1" kern="100" dirty="0">
                           <a:solidFill>
                             <a:srgbClr val="FF00FF"/>
@@ -13761,7 +13749,7 @@
                           <a:ea typeface="+mn-ea"/>
                           <a:cs typeface="+mn-cs"/>
                         </a:rPr>
-                        <a:t>进程编程</a:t>
+                        <a:t>多进程编程</a:t>
                       </a:r>
                       <a:endParaRPr lang="en-CN" sz="1800" b="1" kern="100" dirty="0">
                         <a:solidFill>
@@ -14600,8 +14588,8 @@
         </p:blipFill>
         <p:spPr>
           <a:xfrm>
-            <a:off x="1162049" y="1111249"/>
-            <a:ext cx="9491836" cy="5016501"/>
+            <a:off x="1053914" y="1111249"/>
+            <a:ext cx="9599971" cy="5073651"/>
           </a:xfrm>
           <a:prstGeom prst="rect">
             <a:avLst/>
